--- a/3d models/ppt/__Burning_crouch.pptx
+++ b/3d models/ppt/__Burning_crouch.pptx
@@ -3373,7 +3373,7 @@
       </p:pic>
       <p:pic>
         <p:nvPicPr>
-          <p:cNvPr id="4" name="Picture 3">
+          <p:cNvPr id="4" name="c">
             <a:extLst>
               <a:ext uri="{FF2B5EF4-FFF2-40B4-BE49-F238E27FC236}">
                 <a16:creationId xmlns:a16="http://schemas.microsoft.com/office/drawing/2014/main" id="{E7D1FCF9-BBD4-A928-238B-86EE124F1BB1}"/>
@@ -3393,14 +3393,13 @@
               </a:ext>
             </a:extLst>
           </a:blip>
-          <a:stretch>
-            <a:fillRect/>
-          </a:stretch>
+          <a:srcRect l="230" r="230"/>
+          <a:stretch/>
         </p:blipFill>
         <p:spPr>
           <a:xfrm>
             <a:off x="93981" y="250285"/>
-            <a:ext cx="276225" cy="266700"/>
+            <a:ext cx="274955" cy="266700"/>
           </a:xfrm>
           <a:prstGeom prst="rect">
             <a:avLst/>
@@ -3437,13 +3436,13 @@
               </a:ext>
             </a:extLst>
           </a:blip>
-          <a:srcRect b="25035"/>
+          <a:srcRect r="28" b="25035"/>
           <a:stretch/>
         </p:blipFill>
         <p:spPr bwMode="auto">
           <a:xfrm flipH="1">
-            <a:off x="-62582" y="127834"/>
-            <a:ext cx="545858" cy="409205"/>
+            <a:off x="-62431" y="127834"/>
+            <a:ext cx="545707" cy="409205"/>
           </a:xfrm>
           <a:prstGeom prst="ellipse">
             <a:avLst/>
